--- a/발표 자료/최종 발표 자료/간단한 UML.pptx
+++ b/발표 자료/최종 발표 자료/간단한 UML.pptx
@@ -155,10 +155,9 @@
           </a:lstStyle>
           <a:p>
             <a:r>
-              <a:rPr lang="ko-KR" altLang="en-US" smtClean="0"/>
+              <a:rPr lang="ko-KR" altLang="en-US"/>
               <a:t>마스터 제목 스타일 편집</a:t>
             </a:r>
-            <a:endParaRPr lang="ko-KR" altLang="en-US"/>
           </a:p>
         </p:txBody>
       </p:sp>
@@ -220,10 +219,9 @@
           </a:lstStyle>
           <a:p>
             <a:r>
-              <a:rPr lang="ko-KR" altLang="en-US" smtClean="0"/>
+              <a:rPr lang="ko-KR" altLang="en-US"/>
               <a:t>클릭하여 마스터 부제목 스타일 편집</a:t>
             </a:r>
-            <a:endParaRPr lang="ko-KR" altLang="en-US"/>
           </a:p>
         </p:txBody>
       </p:sp>
@@ -244,7 +242,7 @@
           <a:p>
             <a:fld id="{DB9322AD-673A-476E-BE8B-230657B93715}" type="datetimeFigureOut">
               <a:rPr lang="ko-KR" altLang="en-US" smtClean="0"/>
-              <a:t>2020-09-15</a:t>
+              <a:t>2020-09-16</a:t>
             </a:fld>
             <a:endParaRPr lang="ko-KR" altLang="en-US"/>
           </a:p>
@@ -338,10 +336,9 @@
           <a:lstStyle/>
           <a:p>
             <a:r>
-              <a:rPr lang="ko-KR" altLang="en-US" smtClean="0"/>
+              <a:rPr lang="ko-KR" altLang="en-US"/>
               <a:t>마스터 제목 스타일 편집</a:t>
             </a:r>
-            <a:endParaRPr lang="ko-KR" altLang="en-US"/>
           </a:p>
         </p:txBody>
       </p:sp>
@@ -362,38 +359,37 @@
           <a:p>
             <a:pPr lvl="0"/>
             <a:r>
-              <a:rPr lang="ko-KR" altLang="en-US" smtClean="0"/>
+              <a:rPr lang="ko-KR" altLang="en-US"/>
               <a:t>마스터 텍스트 스타일 편집</a:t>
             </a:r>
           </a:p>
           <a:p>
             <a:pPr lvl="1"/>
             <a:r>
-              <a:rPr lang="ko-KR" altLang="en-US" smtClean="0"/>
+              <a:rPr lang="ko-KR" altLang="en-US"/>
               <a:t>둘째 수준</a:t>
             </a:r>
           </a:p>
           <a:p>
             <a:pPr lvl="2"/>
             <a:r>
-              <a:rPr lang="ko-KR" altLang="en-US" smtClean="0"/>
+              <a:rPr lang="ko-KR" altLang="en-US"/>
               <a:t>셋째 수준</a:t>
             </a:r>
           </a:p>
           <a:p>
             <a:pPr lvl="3"/>
             <a:r>
-              <a:rPr lang="ko-KR" altLang="en-US" smtClean="0"/>
+              <a:rPr lang="ko-KR" altLang="en-US"/>
               <a:t>넷째 수준</a:t>
             </a:r>
           </a:p>
           <a:p>
             <a:pPr lvl="4"/>
             <a:r>
-              <a:rPr lang="ko-KR" altLang="en-US" smtClean="0"/>
+              <a:rPr lang="ko-KR" altLang="en-US"/>
               <a:t>다섯째 수준</a:t>
             </a:r>
-            <a:endParaRPr lang="ko-KR" altLang="en-US"/>
           </a:p>
         </p:txBody>
       </p:sp>
@@ -414,7 +410,7 @@
           <a:p>
             <a:fld id="{DB9322AD-673A-476E-BE8B-230657B93715}" type="datetimeFigureOut">
               <a:rPr lang="ko-KR" altLang="en-US" smtClean="0"/>
-              <a:t>2020-09-15</a:t>
+              <a:t>2020-09-16</a:t>
             </a:fld>
             <a:endParaRPr lang="ko-KR" altLang="en-US"/>
           </a:p>
@@ -513,10 +509,9 @@
           <a:lstStyle/>
           <a:p>
             <a:r>
-              <a:rPr lang="ko-KR" altLang="en-US" smtClean="0"/>
+              <a:rPr lang="ko-KR" altLang="en-US"/>
               <a:t>마스터 제목 스타일 편집</a:t>
             </a:r>
-            <a:endParaRPr lang="ko-KR" altLang="en-US"/>
           </a:p>
         </p:txBody>
       </p:sp>
@@ -542,38 +537,37 @@
           <a:p>
             <a:pPr lvl="0"/>
             <a:r>
-              <a:rPr lang="ko-KR" altLang="en-US" smtClean="0"/>
+              <a:rPr lang="ko-KR" altLang="en-US"/>
               <a:t>마스터 텍스트 스타일 편집</a:t>
             </a:r>
           </a:p>
           <a:p>
             <a:pPr lvl="1"/>
             <a:r>
-              <a:rPr lang="ko-KR" altLang="en-US" smtClean="0"/>
+              <a:rPr lang="ko-KR" altLang="en-US"/>
               <a:t>둘째 수준</a:t>
             </a:r>
           </a:p>
           <a:p>
             <a:pPr lvl="2"/>
             <a:r>
-              <a:rPr lang="ko-KR" altLang="en-US" smtClean="0"/>
+              <a:rPr lang="ko-KR" altLang="en-US"/>
               <a:t>셋째 수준</a:t>
             </a:r>
           </a:p>
           <a:p>
             <a:pPr lvl="3"/>
             <a:r>
-              <a:rPr lang="ko-KR" altLang="en-US" smtClean="0"/>
+              <a:rPr lang="ko-KR" altLang="en-US"/>
               <a:t>넷째 수준</a:t>
             </a:r>
           </a:p>
           <a:p>
             <a:pPr lvl="4"/>
             <a:r>
-              <a:rPr lang="ko-KR" altLang="en-US" smtClean="0"/>
+              <a:rPr lang="ko-KR" altLang="en-US"/>
               <a:t>다섯째 수준</a:t>
             </a:r>
-            <a:endParaRPr lang="ko-KR" altLang="en-US"/>
           </a:p>
         </p:txBody>
       </p:sp>
@@ -594,7 +588,7 @@
           <a:p>
             <a:fld id="{DB9322AD-673A-476E-BE8B-230657B93715}" type="datetimeFigureOut">
               <a:rPr lang="ko-KR" altLang="en-US" smtClean="0"/>
-              <a:t>2020-09-15</a:t>
+              <a:t>2020-09-16</a:t>
             </a:fld>
             <a:endParaRPr lang="ko-KR" altLang="en-US"/>
           </a:p>
@@ -688,10 +682,9 @@
           <a:lstStyle/>
           <a:p>
             <a:r>
-              <a:rPr lang="ko-KR" altLang="en-US" smtClean="0"/>
+              <a:rPr lang="ko-KR" altLang="en-US"/>
               <a:t>마스터 제목 스타일 편집</a:t>
             </a:r>
-            <a:endParaRPr lang="ko-KR" altLang="en-US"/>
           </a:p>
         </p:txBody>
       </p:sp>
@@ -712,38 +705,37 @@
           <a:p>
             <a:pPr lvl="0"/>
             <a:r>
-              <a:rPr lang="ko-KR" altLang="en-US" smtClean="0"/>
+              <a:rPr lang="ko-KR" altLang="en-US"/>
               <a:t>마스터 텍스트 스타일 편집</a:t>
             </a:r>
           </a:p>
           <a:p>
             <a:pPr lvl="1"/>
             <a:r>
-              <a:rPr lang="ko-KR" altLang="en-US" smtClean="0"/>
+              <a:rPr lang="ko-KR" altLang="en-US"/>
               <a:t>둘째 수준</a:t>
             </a:r>
           </a:p>
           <a:p>
             <a:pPr lvl="2"/>
             <a:r>
-              <a:rPr lang="ko-KR" altLang="en-US" smtClean="0"/>
+              <a:rPr lang="ko-KR" altLang="en-US"/>
               <a:t>셋째 수준</a:t>
             </a:r>
           </a:p>
           <a:p>
             <a:pPr lvl="3"/>
             <a:r>
-              <a:rPr lang="ko-KR" altLang="en-US" smtClean="0"/>
+              <a:rPr lang="ko-KR" altLang="en-US"/>
               <a:t>넷째 수준</a:t>
             </a:r>
           </a:p>
           <a:p>
             <a:pPr lvl="4"/>
             <a:r>
-              <a:rPr lang="ko-KR" altLang="en-US" smtClean="0"/>
+              <a:rPr lang="ko-KR" altLang="en-US"/>
               <a:t>다섯째 수준</a:t>
             </a:r>
-            <a:endParaRPr lang="ko-KR" altLang="en-US"/>
           </a:p>
         </p:txBody>
       </p:sp>
@@ -764,7 +756,7 @@
           <a:p>
             <a:fld id="{DB9322AD-673A-476E-BE8B-230657B93715}" type="datetimeFigureOut">
               <a:rPr lang="ko-KR" altLang="en-US" smtClean="0"/>
-              <a:t>2020-09-15</a:t>
+              <a:t>2020-09-16</a:t>
             </a:fld>
             <a:endParaRPr lang="ko-KR" altLang="en-US"/>
           </a:p>
@@ -867,10 +859,9 @@
           </a:lstStyle>
           <a:p>
             <a:r>
-              <a:rPr lang="ko-KR" altLang="en-US" smtClean="0"/>
+              <a:rPr lang="ko-KR" altLang="en-US"/>
               <a:t>마스터 제목 스타일 편집</a:t>
             </a:r>
-            <a:endParaRPr lang="ko-KR" altLang="en-US"/>
           </a:p>
         </p:txBody>
       </p:sp>
@@ -987,7 +978,7 @@
           <a:p>
             <a:pPr lvl="0"/>
             <a:r>
-              <a:rPr lang="ko-KR" altLang="en-US" smtClean="0"/>
+              <a:rPr lang="ko-KR" altLang="en-US"/>
               <a:t>마스터 텍스트 스타일 편집</a:t>
             </a:r>
           </a:p>
@@ -1010,7 +1001,7 @@
           <a:p>
             <a:fld id="{DB9322AD-673A-476E-BE8B-230657B93715}" type="datetimeFigureOut">
               <a:rPr lang="ko-KR" altLang="en-US" smtClean="0"/>
-              <a:t>2020-09-15</a:t>
+              <a:t>2020-09-16</a:t>
             </a:fld>
             <a:endParaRPr lang="ko-KR" altLang="en-US"/>
           </a:p>
@@ -1104,10 +1095,9 @@
           <a:lstStyle/>
           <a:p>
             <a:r>
-              <a:rPr lang="ko-KR" altLang="en-US" smtClean="0"/>
+              <a:rPr lang="ko-KR" altLang="en-US"/>
               <a:t>마스터 제목 스타일 편집</a:t>
             </a:r>
-            <a:endParaRPr lang="ko-KR" altLang="en-US"/>
           </a:p>
         </p:txBody>
       </p:sp>
@@ -1133,38 +1123,37 @@
           <a:p>
             <a:pPr lvl="0"/>
             <a:r>
-              <a:rPr lang="ko-KR" altLang="en-US" smtClean="0"/>
+              <a:rPr lang="ko-KR" altLang="en-US"/>
               <a:t>마스터 텍스트 스타일 편집</a:t>
             </a:r>
           </a:p>
           <a:p>
             <a:pPr lvl="1"/>
             <a:r>
-              <a:rPr lang="ko-KR" altLang="en-US" smtClean="0"/>
+              <a:rPr lang="ko-KR" altLang="en-US"/>
               <a:t>둘째 수준</a:t>
             </a:r>
           </a:p>
           <a:p>
             <a:pPr lvl="2"/>
             <a:r>
-              <a:rPr lang="ko-KR" altLang="en-US" smtClean="0"/>
+              <a:rPr lang="ko-KR" altLang="en-US"/>
               <a:t>셋째 수준</a:t>
             </a:r>
           </a:p>
           <a:p>
             <a:pPr lvl="3"/>
             <a:r>
-              <a:rPr lang="ko-KR" altLang="en-US" smtClean="0"/>
+              <a:rPr lang="ko-KR" altLang="en-US"/>
               <a:t>넷째 수준</a:t>
             </a:r>
           </a:p>
           <a:p>
             <a:pPr lvl="4"/>
             <a:r>
-              <a:rPr lang="ko-KR" altLang="en-US" smtClean="0"/>
+              <a:rPr lang="ko-KR" altLang="en-US"/>
               <a:t>다섯째 수준</a:t>
             </a:r>
-            <a:endParaRPr lang="ko-KR" altLang="en-US"/>
           </a:p>
         </p:txBody>
       </p:sp>
@@ -1190,38 +1179,37 @@
           <a:p>
             <a:pPr lvl="0"/>
             <a:r>
-              <a:rPr lang="ko-KR" altLang="en-US" smtClean="0"/>
+              <a:rPr lang="ko-KR" altLang="en-US"/>
               <a:t>마스터 텍스트 스타일 편집</a:t>
             </a:r>
           </a:p>
           <a:p>
             <a:pPr lvl="1"/>
             <a:r>
-              <a:rPr lang="ko-KR" altLang="en-US" smtClean="0"/>
+              <a:rPr lang="ko-KR" altLang="en-US"/>
               <a:t>둘째 수준</a:t>
             </a:r>
           </a:p>
           <a:p>
             <a:pPr lvl="2"/>
             <a:r>
-              <a:rPr lang="ko-KR" altLang="en-US" smtClean="0"/>
+              <a:rPr lang="ko-KR" altLang="en-US"/>
               <a:t>셋째 수준</a:t>
             </a:r>
           </a:p>
           <a:p>
             <a:pPr lvl="3"/>
             <a:r>
-              <a:rPr lang="ko-KR" altLang="en-US" smtClean="0"/>
+              <a:rPr lang="ko-KR" altLang="en-US"/>
               <a:t>넷째 수준</a:t>
             </a:r>
           </a:p>
           <a:p>
             <a:pPr lvl="4"/>
             <a:r>
-              <a:rPr lang="ko-KR" altLang="en-US" smtClean="0"/>
+              <a:rPr lang="ko-KR" altLang="en-US"/>
               <a:t>다섯째 수준</a:t>
             </a:r>
-            <a:endParaRPr lang="ko-KR" altLang="en-US"/>
           </a:p>
         </p:txBody>
       </p:sp>
@@ -1242,7 +1230,7 @@
           <a:p>
             <a:fld id="{DB9322AD-673A-476E-BE8B-230657B93715}" type="datetimeFigureOut">
               <a:rPr lang="ko-KR" altLang="en-US" smtClean="0"/>
-              <a:t>2020-09-15</a:t>
+              <a:t>2020-09-16</a:t>
             </a:fld>
             <a:endParaRPr lang="ko-KR" altLang="en-US"/>
           </a:p>
@@ -1341,10 +1329,9 @@
           <a:lstStyle/>
           <a:p>
             <a:r>
-              <a:rPr lang="ko-KR" altLang="en-US" smtClean="0"/>
+              <a:rPr lang="ko-KR" altLang="en-US"/>
               <a:t>마스터 제목 스타일 편집</a:t>
             </a:r>
-            <a:endParaRPr lang="ko-KR" altLang="en-US"/>
           </a:p>
         </p:txBody>
       </p:sp>
@@ -1407,7 +1394,7 @@
           <a:p>
             <a:pPr lvl="0"/>
             <a:r>
-              <a:rPr lang="ko-KR" altLang="en-US" smtClean="0"/>
+              <a:rPr lang="ko-KR" altLang="en-US"/>
               <a:t>마스터 텍스트 스타일 편집</a:t>
             </a:r>
           </a:p>
@@ -1435,38 +1422,37 @@
           <a:p>
             <a:pPr lvl="0"/>
             <a:r>
-              <a:rPr lang="ko-KR" altLang="en-US" smtClean="0"/>
+              <a:rPr lang="ko-KR" altLang="en-US"/>
               <a:t>마스터 텍스트 스타일 편집</a:t>
             </a:r>
           </a:p>
           <a:p>
             <a:pPr lvl="1"/>
             <a:r>
-              <a:rPr lang="ko-KR" altLang="en-US" smtClean="0"/>
+              <a:rPr lang="ko-KR" altLang="en-US"/>
               <a:t>둘째 수준</a:t>
             </a:r>
           </a:p>
           <a:p>
             <a:pPr lvl="2"/>
             <a:r>
-              <a:rPr lang="ko-KR" altLang="en-US" smtClean="0"/>
+              <a:rPr lang="ko-KR" altLang="en-US"/>
               <a:t>셋째 수준</a:t>
             </a:r>
           </a:p>
           <a:p>
             <a:pPr lvl="3"/>
             <a:r>
-              <a:rPr lang="ko-KR" altLang="en-US" smtClean="0"/>
+              <a:rPr lang="ko-KR" altLang="en-US"/>
               <a:t>넷째 수준</a:t>
             </a:r>
           </a:p>
           <a:p>
             <a:pPr lvl="4"/>
             <a:r>
-              <a:rPr lang="ko-KR" altLang="en-US" smtClean="0"/>
+              <a:rPr lang="ko-KR" altLang="en-US"/>
               <a:t>다섯째 수준</a:t>
             </a:r>
-            <a:endParaRPr lang="ko-KR" altLang="en-US"/>
           </a:p>
         </p:txBody>
       </p:sp>
@@ -1529,7 +1515,7 @@
           <a:p>
             <a:pPr lvl="0"/>
             <a:r>
-              <a:rPr lang="ko-KR" altLang="en-US" smtClean="0"/>
+              <a:rPr lang="ko-KR" altLang="en-US"/>
               <a:t>마스터 텍스트 스타일 편집</a:t>
             </a:r>
           </a:p>
@@ -1557,38 +1543,37 @@
           <a:p>
             <a:pPr lvl="0"/>
             <a:r>
-              <a:rPr lang="ko-KR" altLang="en-US" smtClean="0"/>
+              <a:rPr lang="ko-KR" altLang="en-US"/>
               <a:t>마스터 텍스트 스타일 편집</a:t>
             </a:r>
           </a:p>
           <a:p>
             <a:pPr lvl="1"/>
             <a:r>
-              <a:rPr lang="ko-KR" altLang="en-US" smtClean="0"/>
+              <a:rPr lang="ko-KR" altLang="en-US"/>
               <a:t>둘째 수준</a:t>
             </a:r>
           </a:p>
           <a:p>
             <a:pPr lvl="2"/>
             <a:r>
-              <a:rPr lang="ko-KR" altLang="en-US" smtClean="0"/>
+              <a:rPr lang="ko-KR" altLang="en-US"/>
               <a:t>셋째 수준</a:t>
             </a:r>
           </a:p>
           <a:p>
             <a:pPr lvl="3"/>
             <a:r>
-              <a:rPr lang="ko-KR" altLang="en-US" smtClean="0"/>
+              <a:rPr lang="ko-KR" altLang="en-US"/>
               <a:t>넷째 수준</a:t>
             </a:r>
           </a:p>
           <a:p>
             <a:pPr lvl="4"/>
             <a:r>
-              <a:rPr lang="ko-KR" altLang="en-US" smtClean="0"/>
+              <a:rPr lang="ko-KR" altLang="en-US"/>
               <a:t>다섯째 수준</a:t>
             </a:r>
-            <a:endParaRPr lang="ko-KR" altLang="en-US"/>
           </a:p>
         </p:txBody>
       </p:sp>
@@ -1609,7 +1594,7 @@
           <a:p>
             <a:fld id="{DB9322AD-673A-476E-BE8B-230657B93715}" type="datetimeFigureOut">
               <a:rPr lang="ko-KR" altLang="en-US" smtClean="0"/>
-              <a:t>2020-09-15</a:t>
+              <a:t>2020-09-16</a:t>
             </a:fld>
             <a:endParaRPr lang="ko-KR" altLang="en-US"/>
           </a:p>
@@ -1703,10 +1688,9 @@
           <a:lstStyle/>
           <a:p>
             <a:r>
-              <a:rPr lang="ko-KR" altLang="en-US" smtClean="0"/>
+              <a:rPr lang="ko-KR" altLang="en-US"/>
               <a:t>마스터 제목 스타일 편집</a:t>
             </a:r>
-            <a:endParaRPr lang="ko-KR" altLang="en-US"/>
           </a:p>
         </p:txBody>
       </p:sp>
@@ -1727,7 +1711,7 @@
           <a:p>
             <a:fld id="{DB9322AD-673A-476E-BE8B-230657B93715}" type="datetimeFigureOut">
               <a:rPr lang="ko-KR" altLang="en-US" smtClean="0"/>
-              <a:t>2020-09-15</a:t>
+              <a:t>2020-09-16</a:t>
             </a:fld>
             <a:endParaRPr lang="ko-KR" altLang="en-US"/>
           </a:p>
@@ -1822,7 +1806,7 @@
           <a:p>
             <a:fld id="{DB9322AD-673A-476E-BE8B-230657B93715}" type="datetimeFigureOut">
               <a:rPr lang="ko-KR" altLang="en-US" smtClean="0"/>
-              <a:t>2020-09-15</a:t>
+              <a:t>2020-09-16</a:t>
             </a:fld>
             <a:endParaRPr lang="ko-KR" altLang="en-US"/>
           </a:p>
@@ -1925,10 +1909,9 @@
           </a:lstStyle>
           <a:p>
             <a:r>
-              <a:rPr lang="ko-KR" altLang="en-US" smtClean="0"/>
+              <a:rPr lang="ko-KR" altLang="en-US"/>
               <a:t>마스터 제목 스타일 편집</a:t>
             </a:r>
-            <a:endParaRPr lang="ko-KR" altLang="en-US"/>
           </a:p>
         </p:txBody>
       </p:sp>
@@ -1982,38 +1965,37 @@
           <a:p>
             <a:pPr lvl="0"/>
             <a:r>
-              <a:rPr lang="ko-KR" altLang="en-US" smtClean="0"/>
+              <a:rPr lang="ko-KR" altLang="en-US"/>
               <a:t>마스터 텍스트 스타일 편집</a:t>
             </a:r>
           </a:p>
           <a:p>
             <a:pPr lvl="1"/>
             <a:r>
-              <a:rPr lang="ko-KR" altLang="en-US" smtClean="0"/>
+              <a:rPr lang="ko-KR" altLang="en-US"/>
               <a:t>둘째 수준</a:t>
             </a:r>
           </a:p>
           <a:p>
             <a:pPr lvl="2"/>
             <a:r>
-              <a:rPr lang="ko-KR" altLang="en-US" smtClean="0"/>
+              <a:rPr lang="ko-KR" altLang="en-US"/>
               <a:t>셋째 수준</a:t>
             </a:r>
           </a:p>
           <a:p>
             <a:pPr lvl="3"/>
             <a:r>
-              <a:rPr lang="ko-KR" altLang="en-US" smtClean="0"/>
+              <a:rPr lang="ko-KR" altLang="en-US"/>
               <a:t>넷째 수준</a:t>
             </a:r>
           </a:p>
           <a:p>
             <a:pPr lvl="4"/>
             <a:r>
-              <a:rPr lang="ko-KR" altLang="en-US" smtClean="0"/>
+              <a:rPr lang="ko-KR" altLang="en-US"/>
               <a:t>다섯째 수준</a:t>
             </a:r>
-            <a:endParaRPr lang="ko-KR" altLang="en-US"/>
           </a:p>
         </p:txBody>
       </p:sp>
@@ -2076,7 +2058,7 @@
           <a:p>
             <a:pPr lvl="0"/>
             <a:r>
-              <a:rPr lang="ko-KR" altLang="en-US" smtClean="0"/>
+              <a:rPr lang="ko-KR" altLang="en-US"/>
               <a:t>마스터 텍스트 스타일 편집</a:t>
             </a:r>
           </a:p>
@@ -2099,7 +2081,7 @@
           <a:p>
             <a:fld id="{DB9322AD-673A-476E-BE8B-230657B93715}" type="datetimeFigureOut">
               <a:rPr lang="ko-KR" altLang="en-US" smtClean="0"/>
-              <a:t>2020-09-15</a:t>
+              <a:t>2020-09-16</a:t>
             </a:fld>
             <a:endParaRPr lang="ko-KR" altLang="en-US"/>
           </a:p>
@@ -2202,10 +2184,9 @@
           </a:lstStyle>
           <a:p>
             <a:r>
-              <a:rPr lang="ko-KR" altLang="en-US" smtClean="0"/>
+              <a:rPr lang="ko-KR" altLang="en-US"/>
               <a:t>마스터 제목 스타일 편집</a:t>
             </a:r>
-            <a:endParaRPr lang="ko-KR" altLang="en-US"/>
           </a:p>
         </p:txBody>
       </p:sp>
@@ -2329,7 +2310,7 @@
           <a:p>
             <a:pPr lvl="0"/>
             <a:r>
-              <a:rPr lang="ko-KR" altLang="en-US" smtClean="0"/>
+              <a:rPr lang="ko-KR" altLang="en-US"/>
               <a:t>마스터 텍스트 스타일 편집</a:t>
             </a:r>
           </a:p>
@@ -2352,7 +2333,7 @@
           <a:p>
             <a:fld id="{DB9322AD-673A-476E-BE8B-230657B93715}" type="datetimeFigureOut">
               <a:rPr lang="ko-KR" altLang="en-US" smtClean="0"/>
-              <a:t>2020-09-15</a:t>
+              <a:t>2020-09-16</a:t>
             </a:fld>
             <a:endParaRPr lang="ko-KR" altLang="en-US"/>
           </a:p>
@@ -2461,10 +2442,9 @@
           <a:lstStyle/>
           <a:p>
             <a:r>
-              <a:rPr lang="ko-KR" altLang="en-US" smtClean="0"/>
+              <a:rPr lang="ko-KR" altLang="en-US"/>
               <a:t>마스터 제목 스타일 편집</a:t>
             </a:r>
-            <a:endParaRPr lang="ko-KR" altLang="en-US"/>
           </a:p>
         </p:txBody>
       </p:sp>
@@ -2495,38 +2475,37 @@
           <a:p>
             <a:pPr lvl="0"/>
             <a:r>
-              <a:rPr lang="ko-KR" altLang="en-US" smtClean="0"/>
+              <a:rPr lang="ko-KR" altLang="en-US"/>
               <a:t>마스터 텍스트 스타일 편집</a:t>
             </a:r>
           </a:p>
           <a:p>
             <a:pPr lvl="1"/>
             <a:r>
-              <a:rPr lang="ko-KR" altLang="en-US" smtClean="0"/>
+              <a:rPr lang="ko-KR" altLang="en-US"/>
               <a:t>둘째 수준</a:t>
             </a:r>
           </a:p>
           <a:p>
             <a:pPr lvl="2"/>
             <a:r>
-              <a:rPr lang="ko-KR" altLang="en-US" smtClean="0"/>
+              <a:rPr lang="ko-KR" altLang="en-US"/>
               <a:t>셋째 수준</a:t>
             </a:r>
           </a:p>
           <a:p>
             <a:pPr lvl="3"/>
             <a:r>
-              <a:rPr lang="ko-KR" altLang="en-US" smtClean="0"/>
+              <a:rPr lang="ko-KR" altLang="en-US"/>
               <a:t>넷째 수준</a:t>
             </a:r>
           </a:p>
           <a:p>
             <a:pPr lvl="4"/>
             <a:r>
-              <a:rPr lang="ko-KR" altLang="en-US" smtClean="0"/>
+              <a:rPr lang="ko-KR" altLang="en-US"/>
               <a:t>다섯째 수준</a:t>
             </a:r>
-            <a:endParaRPr lang="ko-KR" altLang="en-US"/>
           </a:p>
         </p:txBody>
       </p:sp>
@@ -2565,7 +2544,7 @@
           <a:p>
             <a:fld id="{DB9322AD-673A-476E-BE8B-230657B93715}" type="datetimeFigureOut">
               <a:rPr lang="ko-KR" altLang="en-US" smtClean="0"/>
-              <a:t>2020-09-15</a:t>
+              <a:t>2020-09-16</a:t>
             </a:fld>
             <a:endParaRPr lang="ko-KR" altLang="en-US"/>
           </a:p>
@@ -3027,6 +3006,42 @@
           <a:p>
             <a:pPr algn="ctr"/>
             <a:r>
+              <a:rPr lang="en-US" altLang="ko-KR" sz="1400" dirty="0">
+                <a:solidFill>
+                  <a:schemeClr val="tx1"/>
+                </a:solidFill>
+                <a:latin typeface="KoPubWorld돋움체 Medium" panose="00000600000000000000" pitchFamily="2" charset="-127"/>
+                <a:ea typeface="KoPubWorld돋움체 Medium" panose="00000600000000000000" pitchFamily="2" charset="-127"/>
+                <a:cs typeface="KoPubWorld돋움체 Medium" panose="00000600000000000000" pitchFamily="2" charset="-127"/>
+              </a:rPr>
+              <a:t>&lt;&lt; Interface</a:t>
+            </a:r>
+            <a:r>
+              <a:rPr lang="ko-KR" altLang="en-US" sz="1400" dirty="0">
+                <a:solidFill>
+                  <a:schemeClr val="tx1"/>
+                </a:solidFill>
+                <a:latin typeface="KoPubWorld돋움체 Medium" panose="00000600000000000000" pitchFamily="2" charset="-127"/>
+                <a:ea typeface="KoPubWorld돋움체 Medium" panose="00000600000000000000" pitchFamily="2" charset="-127"/>
+                <a:cs typeface="KoPubWorld돋움체 Medium" panose="00000600000000000000" pitchFamily="2" charset="-127"/>
+              </a:rPr>
+              <a:t> </a:t>
+            </a:r>
+            <a:r>
+              <a:rPr lang="en-US" altLang="ko-KR" sz="1400" dirty="0">
+                <a:solidFill>
+                  <a:schemeClr val="tx1"/>
+                </a:solidFill>
+                <a:latin typeface="KoPubWorld돋움체 Medium" panose="00000600000000000000" pitchFamily="2" charset="-127"/>
+                <a:ea typeface="KoPubWorld돋움체 Medium" panose="00000600000000000000" pitchFamily="2" charset="-127"/>
+                <a:cs typeface="KoPubWorld돋움체 Medium" panose="00000600000000000000" pitchFamily="2" charset="-127"/>
+              </a:rPr>
+              <a:t>&gt;&gt;</a:t>
+            </a:r>
+          </a:p>
+          <a:p>
+            <a:pPr algn="ctr"/>
+            <a:r>
               <a:rPr lang="en-US" altLang="ko-KR" sz="1800" dirty="0">
                 <a:solidFill>
                   <a:schemeClr val="tx1"/>
@@ -4157,7 +4172,7 @@
           <a:p>
             <a:pPr algn="ctr"/>
             <a:r>
-              <a:rPr lang="en-US" altLang="ko-KR" dirty="0" err="1" smtClean="0">
+              <a:rPr lang="en-US" altLang="ko-KR" dirty="0" err="1">
                 <a:solidFill>
                   <a:schemeClr val="tx1"/>
                 </a:solidFill>

--- a/발표 자료/최종 발표 자료/간단한 UML.pptx
+++ b/발표 자료/최종 발표 자료/간단한 UML.pptx
@@ -242,7 +242,7 @@
           <a:p>
             <a:fld id="{DB9322AD-673A-476E-BE8B-230657B93715}" type="datetimeFigureOut">
               <a:rPr lang="ko-KR" altLang="en-US" smtClean="0"/>
-              <a:t>2020-09-16</a:t>
+              <a:t>2020-09-27</a:t>
             </a:fld>
             <a:endParaRPr lang="ko-KR" altLang="en-US"/>
           </a:p>
@@ -410,7 +410,7 @@
           <a:p>
             <a:fld id="{DB9322AD-673A-476E-BE8B-230657B93715}" type="datetimeFigureOut">
               <a:rPr lang="ko-KR" altLang="en-US" smtClean="0"/>
-              <a:t>2020-09-16</a:t>
+              <a:t>2020-09-27</a:t>
             </a:fld>
             <a:endParaRPr lang="ko-KR" altLang="en-US"/>
           </a:p>
@@ -588,7 +588,7 @@
           <a:p>
             <a:fld id="{DB9322AD-673A-476E-BE8B-230657B93715}" type="datetimeFigureOut">
               <a:rPr lang="ko-KR" altLang="en-US" smtClean="0"/>
-              <a:t>2020-09-16</a:t>
+              <a:t>2020-09-27</a:t>
             </a:fld>
             <a:endParaRPr lang="ko-KR" altLang="en-US"/>
           </a:p>
@@ -756,7 +756,7 @@
           <a:p>
             <a:fld id="{DB9322AD-673A-476E-BE8B-230657B93715}" type="datetimeFigureOut">
               <a:rPr lang="ko-KR" altLang="en-US" smtClean="0"/>
-              <a:t>2020-09-16</a:t>
+              <a:t>2020-09-27</a:t>
             </a:fld>
             <a:endParaRPr lang="ko-KR" altLang="en-US"/>
           </a:p>
@@ -1001,7 +1001,7 @@
           <a:p>
             <a:fld id="{DB9322AD-673A-476E-BE8B-230657B93715}" type="datetimeFigureOut">
               <a:rPr lang="ko-KR" altLang="en-US" smtClean="0"/>
-              <a:t>2020-09-16</a:t>
+              <a:t>2020-09-27</a:t>
             </a:fld>
             <a:endParaRPr lang="ko-KR" altLang="en-US"/>
           </a:p>
@@ -1230,7 +1230,7 @@
           <a:p>
             <a:fld id="{DB9322AD-673A-476E-BE8B-230657B93715}" type="datetimeFigureOut">
               <a:rPr lang="ko-KR" altLang="en-US" smtClean="0"/>
-              <a:t>2020-09-16</a:t>
+              <a:t>2020-09-27</a:t>
             </a:fld>
             <a:endParaRPr lang="ko-KR" altLang="en-US"/>
           </a:p>
@@ -1594,7 +1594,7 @@
           <a:p>
             <a:fld id="{DB9322AD-673A-476E-BE8B-230657B93715}" type="datetimeFigureOut">
               <a:rPr lang="ko-KR" altLang="en-US" smtClean="0"/>
-              <a:t>2020-09-16</a:t>
+              <a:t>2020-09-27</a:t>
             </a:fld>
             <a:endParaRPr lang="ko-KR" altLang="en-US"/>
           </a:p>
@@ -1711,7 +1711,7 @@
           <a:p>
             <a:fld id="{DB9322AD-673A-476E-BE8B-230657B93715}" type="datetimeFigureOut">
               <a:rPr lang="ko-KR" altLang="en-US" smtClean="0"/>
-              <a:t>2020-09-16</a:t>
+              <a:t>2020-09-27</a:t>
             </a:fld>
             <a:endParaRPr lang="ko-KR" altLang="en-US"/>
           </a:p>
@@ -1806,7 +1806,7 @@
           <a:p>
             <a:fld id="{DB9322AD-673A-476E-BE8B-230657B93715}" type="datetimeFigureOut">
               <a:rPr lang="ko-KR" altLang="en-US" smtClean="0"/>
-              <a:t>2020-09-16</a:t>
+              <a:t>2020-09-27</a:t>
             </a:fld>
             <a:endParaRPr lang="ko-KR" altLang="en-US"/>
           </a:p>
@@ -2081,7 +2081,7 @@
           <a:p>
             <a:fld id="{DB9322AD-673A-476E-BE8B-230657B93715}" type="datetimeFigureOut">
               <a:rPr lang="ko-KR" altLang="en-US" smtClean="0"/>
-              <a:t>2020-09-16</a:t>
+              <a:t>2020-09-27</a:t>
             </a:fld>
             <a:endParaRPr lang="ko-KR" altLang="en-US"/>
           </a:p>
@@ -2333,7 +2333,7 @@
           <a:p>
             <a:fld id="{DB9322AD-673A-476E-BE8B-230657B93715}" type="datetimeFigureOut">
               <a:rPr lang="ko-KR" altLang="en-US" smtClean="0"/>
-              <a:t>2020-09-16</a:t>
+              <a:t>2020-09-27</a:t>
             </a:fld>
             <a:endParaRPr lang="ko-KR" altLang="en-US"/>
           </a:p>
@@ -2544,7 +2544,7 @@
           <a:p>
             <a:fld id="{DB9322AD-673A-476E-BE8B-230657B93715}" type="datetimeFigureOut">
               <a:rPr lang="ko-KR" altLang="en-US" smtClean="0"/>
-              <a:t>2020-09-16</a:t>
+              <a:t>2020-09-27</a:t>
             </a:fld>
             <a:endParaRPr lang="ko-KR" altLang="en-US"/>
           </a:p>
@@ -3727,7 +3727,7 @@
               <a:gd name="adj1" fmla="val 50000"/>
             </a:avLst>
           </a:prstGeom>
-          <a:ln w="57150">
+          <a:ln w="12700">
             <a:solidFill>
               <a:schemeClr val="tx1"/>
             </a:solidFill>
@@ -3775,7 +3775,7 @@
               <a:gd name="adj1" fmla="val 50000"/>
             </a:avLst>
           </a:prstGeom>
-          <a:ln w="57150">
+          <a:ln w="12700">
             <a:solidFill>
               <a:schemeClr val="tx1"/>
             </a:solidFill>
@@ -3823,7 +3823,7 @@
               <a:gd name="adj1" fmla="val 50000"/>
             </a:avLst>
           </a:prstGeom>
-          <a:ln w="57150">
+          <a:ln w="12700">
             <a:solidFill>
               <a:schemeClr val="tx1"/>
             </a:solidFill>
@@ -3871,7 +3871,7 @@
               <a:gd name="adj1" fmla="val 50000"/>
             </a:avLst>
           </a:prstGeom>
-          <a:ln w="57150">
+          <a:ln w="12700">
             <a:solidFill>
               <a:schemeClr val="tx1"/>
             </a:solidFill>
@@ -3919,7 +3919,7 @@
               <a:gd name="adj1" fmla="val 50000"/>
             </a:avLst>
           </a:prstGeom>
-          <a:ln w="57150">
+          <a:ln w="12700">
             <a:solidFill>
               <a:schemeClr val="tx1"/>
             </a:solidFill>
@@ -3967,7 +3967,7 @@
               <a:gd name="adj1" fmla="val 50000"/>
             </a:avLst>
           </a:prstGeom>
-          <a:ln w="57150">
+          <a:ln w="12700">
             <a:solidFill>
               <a:schemeClr val="tx1"/>
             </a:solidFill>
@@ -4015,7 +4015,7 @@
               <a:gd name="adj1" fmla="val 50000"/>
             </a:avLst>
           </a:prstGeom>
-          <a:ln w="57150">
+          <a:ln w="12700">
             <a:solidFill>
               <a:schemeClr val="tx1"/>
             </a:solidFill>
@@ -4063,7 +4063,7 @@
               <a:gd name="adj1" fmla="val 50000"/>
             </a:avLst>
           </a:prstGeom>
-          <a:ln w="57150">
+          <a:ln w="12700">
             <a:solidFill>
               <a:schemeClr val="tx1"/>
             </a:solidFill>
